--- a/week2/Week2.pptx
+++ b/week2/Week2.pptx
@@ -5,15 +5,16 @@
     <p:sldMasterId id="2147483648" r:id="rId1"/>
   </p:sldMasterIdLst>
   <p:notesMasterIdLst>
-    <p:notesMasterId r:id="rId8"/>
+    <p:notesMasterId r:id="rId9"/>
   </p:notesMasterIdLst>
   <p:sldIdLst>
     <p:sldId id="256" r:id="rId2"/>
     <p:sldId id="257" r:id="rId3"/>
-    <p:sldId id="258" r:id="rId4"/>
-    <p:sldId id="259" r:id="rId5"/>
-    <p:sldId id="260" r:id="rId6"/>
-    <p:sldId id="261" r:id="rId7"/>
+    <p:sldId id="262" r:id="rId4"/>
+    <p:sldId id="258" r:id="rId5"/>
+    <p:sldId id="259" r:id="rId6"/>
+    <p:sldId id="260" r:id="rId7"/>
+    <p:sldId id="261" r:id="rId8"/>
   </p:sldIdLst>
   <p:sldSz cx="9144000" cy="5143500" type="screen16x9"/>
   <p:notesSz cx="6858000" cy="9144000"/>
@@ -513,6 +514,90 @@
           <a:bodyPr/>
           <a:lstStyle/>
           <a:p>
+            <a:endParaRPr lang="en-US" dirty="0"/>
+          </a:p>
+        </p:txBody>
+      </p:sp>
+      <p:sp>
+        <p:nvSpPr>
+          <p:cNvPr id="4" name="Slide Number Placeholder 3"/>
+          <p:cNvSpPr>
+            <a:spLocks noGrp="1"/>
+          </p:cNvSpPr>
+          <p:nvPr>
+            <p:ph type="sldNum" sz="quarter" idx="10"/>
+          </p:nvPr>
+        </p:nvSpPr>
+        <p:spPr/>
+        <p:txBody>
+          <a:bodyPr/>
+          <a:lstStyle/>
+          <a:p>
+            <a:fld id="{44DB47AF-0A5A-5D4B-8232-81602AE7243C}" type="slidenum">
+              <a:rPr lang="en-US" smtClean="0"/>
+              <a:t>1</a:t>
+            </a:fld>
+            <a:endParaRPr lang="en-US"/>
+          </a:p>
+        </p:txBody>
+      </p:sp>
+    </p:spTree>
+    <p:extLst>
+      <p:ext uri="{BB962C8B-B14F-4D97-AF65-F5344CB8AC3E}">
+        <p14:creationId xmlns:p14="http://schemas.microsoft.com/office/powerpoint/2010/main" val="487313077"/>
+      </p:ext>
+    </p:extLst>
+  </p:cSld>
+  <p:clrMapOvr>
+    <a:masterClrMapping/>
+  </p:clrMapOvr>
+</p:notes>
+</file>
+
+<file path=ppt/notesSlides/notesSlide2.xml><?xml version="1.0" encoding="utf-8"?>
+<p:notes xmlns:a="http://schemas.openxmlformats.org/drawingml/2006/main" xmlns:r="http://schemas.openxmlformats.org/officeDocument/2006/relationships" xmlns:p="http://schemas.openxmlformats.org/presentationml/2006/main">
+  <p:cSld>
+    <p:spTree>
+      <p:nvGrpSpPr>
+        <p:cNvPr id="1" name=""/>
+        <p:cNvGrpSpPr/>
+        <p:nvPr/>
+      </p:nvGrpSpPr>
+      <p:grpSpPr>
+        <a:xfrm>
+          <a:off x="0" y="0"/>
+          <a:ext cx="0" cy="0"/>
+          <a:chOff x="0" y="0"/>
+          <a:chExt cx="0" cy="0"/>
+        </a:xfrm>
+      </p:grpSpPr>
+      <p:sp>
+        <p:nvSpPr>
+          <p:cNvPr id="2" name="Slide Image Placeholder 1"/>
+          <p:cNvSpPr>
+            <a:spLocks noGrp="1" noRot="1" noChangeAspect="1"/>
+          </p:cNvSpPr>
+          <p:nvPr>
+            <p:ph type="sldImg"/>
+          </p:nvPr>
+        </p:nvSpPr>
+        <p:spPr/>
+      </p:sp>
+      <p:sp>
+        <p:nvSpPr>
+          <p:cNvPr id="3" name="Notes Placeholder 2"/>
+          <p:cNvSpPr>
+            <a:spLocks noGrp="1"/>
+          </p:cNvSpPr>
+          <p:nvPr>
+            <p:ph type="body" idx="1"/>
+          </p:nvPr>
+        </p:nvSpPr>
+        <p:spPr/>
+        <p:txBody>
+          <a:bodyPr/>
+          <a:lstStyle/>
+          <a:p>
             <a:r>
               <a:rPr lang="en-US" dirty="0"/>
               <a:t>Yogi Berra </a:t>
@@ -537,7 +622,7 @@
           <a:p>
             <a:fld id="{44DB47AF-0A5A-5D4B-8232-81602AE7243C}" type="slidenum">
               <a:rPr lang="en-US" smtClean="0"/>
-              <a:t>3</a:t>
+              <a:t>4</a:t>
             </a:fld>
             <a:endParaRPr lang="en-US"/>
           </a:p>
@@ -2920,6 +3005,12 @@
           <a:p>
             <a:r>
               <a:rPr lang="en-US" dirty="0"/>
+              <a:t>Announcements</a:t>
+            </a:r>
+          </a:p>
+          <a:p>
+            <a:r>
+              <a:rPr lang="en-US" dirty="0"/>
               <a:t>Cool News</a:t>
             </a:r>
           </a:p>
@@ -2951,6 +3042,109 @@
 </file>
 
 <file path=ppt/slides/slide3.xml><?xml version="1.0" encoding="utf-8"?>
+<p:sld xmlns:a="http://schemas.openxmlformats.org/drawingml/2006/main" xmlns:r="http://schemas.openxmlformats.org/officeDocument/2006/relationships" xmlns:p="http://schemas.openxmlformats.org/presentationml/2006/main">
+  <p:cSld>
+    <p:spTree>
+      <p:nvGrpSpPr>
+        <p:cNvPr id="1" name=""/>
+        <p:cNvGrpSpPr/>
+        <p:nvPr/>
+      </p:nvGrpSpPr>
+      <p:grpSpPr>
+        <a:xfrm>
+          <a:off x="0" y="0"/>
+          <a:ext cx="0" cy="0"/>
+          <a:chOff x="0" y="0"/>
+          <a:chExt cx="0" cy="0"/>
+        </a:xfrm>
+      </p:grpSpPr>
+      <p:sp>
+        <p:nvSpPr>
+          <p:cNvPr id="4" name="Title 3">
+            <a:extLst>
+              <a:ext uri="{FF2B5EF4-FFF2-40B4-BE49-F238E27FC236}">
+                <a16:creationId xmlns:a16="http://schemas.microsoft.com/office/drawing/2014/main" id="{072878C0-603D-474A-8D75-03AAE98B4D15}"/>
+              </a:ext>
+            </a:extLst>
+          </p:cNvPr>
+          <p:cNvSpPr>
+            <a:spLocks noGrp="1"/>
+          </p:cNvSpPr>
+          <p:nvPr>
+            <p:ph type="title"/>
+          </p:nvPr>
+        </p:nvSpPr>
+        <p:spPr/>
+        <p:txBody>
+          <a:bodyPr/>
+          <a:lstStyle/>
+          <a:p>
+            <a:r>
+              <a:rPr lang="en-US" dirty="0"/>
+              <a:t>Announcements</a:t>
+            </a:r>
+          </a:p>
+        </p:txBody>
+      </p:sp>
+      <p:sp>
+        <p:nvSpPr>
+          <p:cNvPr id="5" name="Content Placeholder 4">
+            <a:extLst>
+              <a:ext uri="{FF2B5EF4-FFF2-40B4-BE49-F238E27FC236}">
+                <a16:creationId xmlns:a16="http://schemas.microsoft.com/office/drawing/2014/main" id="{D89F0310-C9C0-AC40-AB37-7AEC6E41E095}"/>
+              </a:ext>
+            </a:extLst>
+          </p:cNvPr>
+          <p:cNvSpPr>
+            <a:spLocks noGrp="1"/>
+          </p:cNvSpPr>
+          <p:nvPr>
+            <p:ph idx="1"/>
+          </p:nvPr>
+        </p:nvSpPr>
+        <p:spPr/>
+        <p:txBody>
+          <a:bodyPr/>
+          <a:lstStyle/>
+          <a:p>
+            <a:r>
+              <a:rPr lang="en-US" dirty="0" err="1"/>
+              <a:t>Github</a:t>
+            </a:r>
+            <a:r>
+              <a:rPr lang="en-US" dirty="0"/>
+              <a:t> repo </a:t>
+            </a:r>
+            <a:r>
+              <a:rPr lang="en-US" dirty="0">
+                <a:hlinkClick r:id="rId2"/>
+              </a:rPr>
+              <a:t>https://github.com/cjblink1/ccc18</a:t>
+            </a:r>
+            <a:endParaRPr lang="en-US" dirty="0"/>
+          </a:p>
+          <a:p>
+            <a:pPr marL="0" indent="0">
+              <a:buNone/>
+            </a:pPr>
+            <a:endParaRPr lang="en-US" dirty="0"/>
+          </a:p>
+        </p:txBody>
+      </p:sp>
+    </p:spTree>
+    <p:extLst>
+      <p:ext uri="{BB962C8B-B14F-4D97-AF65-F5344CB8AC3E}">
+        <p14:creationId xmlns:p14="http://schemas.microsoft.com/office/powerpoint/2010/main" val="1000125746"/>
+      </p:ext>
+    </p:extLst>
+  </p:cSld>
+  <p:clrMapOvr>
+    <a:masterClrMapping/>
+  </p:clrMapOvr>
+</p:sld>
+</file>
+
+<file path=ppt/slides/slide4.xml><?xml version="1.0" encoding="utf-8"?>
 <p:sld xmlns:a="http://schemas.openxmlformats.org/drawingml/2006/main" xmlns:r="http://schemas.openxmlformats.org/officeDocument/2006/relationships" xmlns:p="http://schemas.openxmlformats.org/presentationml/2006/main" show="0">
   <p:cSld>
     <p:spTree>
@@ -3089,89 +3283,6 @@
     <p:extLst>
       <p:ext uri="{BB962C8B-B14F-4D97-AF65-F5344CB8AC3E}">
         <p14:creationId xmlns:p14="http://schemas.microsoft.com/office/powerpoint/2010/main" val="3834259490"/>
-      </p:ext>
-    </p:extLst>
-  </p:cSld>
-  <p:clrMapOvr>
-    <a:masterClrMapping/>
-  </p:clrMapOvr>
-</p:sld>
-</file>
-
-<file path=ppt/slides/slide4.xml><?xml version="1.0" encoding="utf-8"?>
-<p:sld xmlns:a="http://schemas.openxmlformats.org/drawingml/2006/main" xmlns:r="http://schemas.openxmlformats.org/officeDocument/2006/relationships" xmlns:p="http://schemas.openxmlformats.org/presentationml/2006/main">
-  <p:cSld>
-    <p:spTree>
-      <p:nvGrpSpPr>
-        <p:cNvPr id="1" name=""/>
-        <p:cNvGrpSpPr/>
-        <p:nvPr/>
-      </p:nvGrpSpPr>
-      <p:grpSpPr>
-        <a:xfrm>
-          <a:off x="0" y="0"/>
-          <a:ext cx="0" cy="0"/>
-          <a:chOff x="0" y="0"/>
-          <a:chExt cx="0" cy="0"/>
-        </a:xfrm>
-      </p:grpSpPr>
-      <p:sp>
-        <p:nvSpPr>
-          <p:cNvPr id="2" name="Title 1">
-            <a:extLst>
-              <a:ext uri="{FF2B5EF4-FFF2-40B4-BE49-F238E27FC236}">
-                <a16:creationId xmlns:a16="http://schemas.microsoft.com/office/drawing/2014/main" id="{D2939F1A-6947-1D4F-B618-FB90DD531B1A}"/>
-              </a:ext>
-            </a:extLst>
-          </p:cNvPr>
-          <p:cNvSpPr>
-            <a:spLocks noGrp="1"/>
-          </p:cNvSpPr>
-          <p:nvPr>
-            <p:ph type="title"/>
-          </p:nvPr>
-        </p:nvSpPr>
-        <p:spPr/>
-        <p:txBody>
-          <a:bodyPr/>
-          <a:lstStyle/>
-          <a:p>
-            <a:r>
-              <a:rPr lang="en-US" dirty="0"/>
-              <a:t>Cool News</a:t>
-            </a:r>
-          </a:p>
-        </p:txBody>
-      </p:sp>
-      <p:sp>
-        <p:nvSpPr>
-          <p:cNvPr id="3" name="Content Placeholder 2">
-            <a:extLst>
-              <a:ext uri="{FF2B5EF4-FFF2-40B4-BE49-F238E27FC236}">
-                <a16:creationId xmlns:a16="http://schemas.microsoft.com/office/drawing/2014/main" id="{A5258A9B-90C6-9C41-A12F-7ACB59CA5A5F}"/>
-              </a:ext>
-            </a:extLst>
-          </p:cNvPr>
-          <p:cNvSpPr>
-            <a:spLocks noGrp="1"/>
-          </p:cNvSpPr>
-          <p:nvPr>
-            <p:ph idx="1"/>
-          </p:nvPr>
-        </p:nvSpPr>
-        <p:spPr/>
-        <p:txBody>
-          <a:bodyPr/>
-          <a:lstStyle/>
-          <a:p>
-            <a:endParaRPr lang="en-US"/>
-          </a:p>
-        </p:txBody>
-      </p:sp>
-    </p:spTree>
-    <p:extLst>
-      <p:ext uri="{BB962C8B-B14F-4D97-AF65-F5344CB8AC3E}">
-        <p14:creationId xmlns:p14="http://schemas.microsoft.com/office/powerpoint/2010/main" val="669223986"/>
       </p:ext>
     </p:extLst>
   </p:cSld>
@@ -3203,6 +3314,89 @@
           <p:cNvPr id="2" name="Title 1">
             <a:extLst>
               <a:ext uri="{FF2B5EF4-FFF2-40B4-BE49-F238E27FC236}">
+                <a16:creationId xmlns:a16="http://schemas.microsoft.com/office/drawing/2014/main" id="{D2939F1A-6947-1D4F-B618-FB90DD531B1A}"/>
+              </a:ext>
+            </a:extLst>
+          </p:cNvPr>
+          <p:cNvSpPr>
+            <a:spLocks noGrp="1"/>
+          </p:cNvSpPr>
+          <p:nvPr>
+            <p:ph type="title"/>
+          </p:nvPr>
+        </p:nvSpPr>
+        <p:spPr/>
+        <p:txBody>
+          <a:bodyPr/>
+          <a:lstStyle/>
+          <a:p>
+            <a:r>
+              <a:rPr lang="en-US" dirty="0"/>
+              <a:t>Cool News</a:t>
+            </a:r>
+          </a:p>
+        </p:txBody>
+      </p:sp>
+      <p:sp>
+        <p:nvSpPr>
+          <p:cNvPr id="3" name="Content Placeholder 2">
+            <a:extLst>
+              <a:ext uri="{FF2B5EF4-FFF2-40B4-BE49-F238E27FC236}">
+                <a16:creationId xmlns:a16="http://schemas.microsoft.com/office/drawing/2014/main" id="{A5258A9B-90C6-9C41-A12F-7ACB59CA5A5F}"/>
+              </a:ext>
+            </a:extLst>
+          </p:cNvPr>
+          <p:cNvSpPr>
+            <a:spLocks noGrp="1"/>
+          </p:cNvSpPr>
+          <p:nvPr>
+            <p:ph idx="1"/>
+          </p:nvPr>
+        </p:nvSpPr>
+        <p:spPr/>
+        <p:txBody>
+          <a:bodyPr/>
+          <a:lstStyle/>
+          <a:p>
+            <a:endParaRPr lang="en-US"/>
+          </a:p>
+        </p:txBody>
+      </p:sp>
+    </p:spTree>
+    <p:extLst>
+      <p:ext uri="{BB962C8B-B14F-4D97-AF65-F5344CB8AC3E}">
+        <p14:creationId xmlns:p14="http://schemas.microsoft.com/office/powerpoint/2010/main" val="669223986"/>
+      </p:ext>
+    </p:extLst>
+  </p:cSld>
+  <p:clrMapOvr>
+    <a:masterClrMapping/>
+  </p:clrMapOvr>
+</p:sld>
+</file>
+
+<file path=ppt/slides/slide6.xml><?xml version="1.0" encoding="utf-8"?>
+<p:sld xmlns:a="http://schemas.openxmlformats.org/drawingml/2006/main" xmlns:r="http://schemas.openxmlformats.org/officeDocument/2006/relationships" xmlns:p="http://schemas.openxmlformats.org/presentationml/2006/main">
+  <p:cSld>
+    <p:spTree>
+      <p:nvGrpSpPr>
+        <p:cNvPr id="1" name=""/>
+        <p:cNvGrpSpPr/>
+        <p:nvPr/>
+      </p:nvGrpSpPr>
+      <p:grpSpPr>
+        <a:xfrm>
+          <a:off x="0" y="0"/>
+          <a:ext cx="0" cy="0"/>
+          <a:chOff x="0" y="0"/>
+          <a:chExt cx="0" cy="0"/>
+        </a:xfrm>
+      </p:grpSpPr>
+      <p:sp>
+        <p:nvSpPr>
+          <p:cNvPr id="2" name="Title 1">
+            <a:extLst>
+              <a:ext uri="{FF2B5EF4-FFF2-40B4-BE49-F238E27FC236}">
                 <a16:creationId xmlns:a16="http://schemas.microsoft.com/office/drawing/2014/main" id="{9F8BA958-782C-D849-BDD7-3626104948FB}"/>
               </a:ext>
             </a:extLst>
@@ -3264,7 +3458,7 @@
 </p:sld>
 </file>
 
-<file path=ppt/slides/slide6.xml><?xml version="1.0" encoding="utf-8"?>
+<file path=ppt/slides/slide7.xml><?xml version="1.0" encoding="utf-8"?>
 <p:sld xmlns:a="http://schemas.openxmlformats.org/drawingml/2006/main" xmlns:r="http://schemas.openxmlformats.org/officeDocument/2006/relationships" xmlns:p="http://schemas.openxmlformats.org/presentationml/2006/main">
   <p:cSld>
     <p:spTree>
